--- a/MovieJournal_Poster.pptx
+++ b/MovieJournal_Poster.pptx
@@ -4057,78 +4057,6 @@
           </a:prstGeom>
         </p:spPr>
       </p:pic>
-      <p:pic>
-        <p:nvPicPr>
-          <p:cNvPr id="14" name="Picture 13" descr="A screen shot of a phone&#10;&#10;AI-generated content may be incorrect.">
-            <a:extLst>
-              <a:ext uri="{FF2B5EF4-FFF2-40B4-BE49-F238E27FC236}">
-                <a16:creationId xmlns:a16="http://schemas.microsoft.com/office/drawing/2014/main" id="{B30F82AC-102E-BBFC-3951-A6838533B727}"/>
-              </a:ext>
-            </a:extLst>
-          </p:cNvPr>
-          <p:cNvPicPr>
-            <a:picLocks noChangeAspect="1"/>
-          </p:cNvPicPr>
-          <p:nvPr/>
-        </p:nvPicPr>
-        <p:blipFill>
-          <a:blip r:embed="rId3">
-            <a:extLst>
-              <a:ext uri="{28A0092B-C50C-407E-A947-70E740481C1C}">
-                <a14:useLocalDpi xmlns:a14="http://schemas.microsoft.com/office/drawing/2010/main" val="0"/>
-              </a:ext>
-            </a:extLst>
-          </a:blip>
-          <a:stretch>
-            <a:fillRect/>
-          </a:stretch>
-        </p:blipFill>
-        <p:spPr>
-          <a:xfrm>
-            <a:off x="12545032" y="25284235"/>
-            <a:ext cx="6455367" cy="14485352"/>
-          </a:xfrm>
-          <a:prstGeom prst="rect">
-            <a:avLst/>
-          </a:prstGeom>
-        </p:spPr>
-      </p:pic>
-      <p:pic>
-        <p:nvPicPr>
-          <p:cNvPr id="25" name="Picture 24" descr="A screenshot of a phone&#10;&#10;AI-generated content may be incorrect.">
-            <a:extLst>
-              <a:ext uri="{FF2B5EF4-FFF2-40B4-BE49-F238E27FC236}">
-                <a16:creationId xmlns:a16="http://schemas.microsoft.com/office/drawing/2014/main" id="{1015A36A-A746-7FEC-C03D-8F9B3562FDB9}"/>
-              </a:ext>
-            </a:extLst>
-          </p:cNvPr>
-          <p:cNvPicPr>
-            <a:picLocks noChangeAspect="1"/>
-          </p:cNvPicPr>
-          <p:nvPr/>
-        </p:nvPicPr>
-        <p:blipFill>
-          <a:blip r:embed="rId4">
-            <a:extLst>
-              <a:ext uri="{28A0092B-C50C-407E-A947-70E740481C1C}">
-                <a14:useLocalDpi xmlns:a14="http://schemas.microsoft.com/office/drawing/2010/main" val="0"/>
-              </a:ext>
-            </a:extLst>
-          </a:blip>
-          <a:stretch>
-            <a:fillRect/>
-          </a:stretch>
-        </p:blipFill>
-        <p:spPr>
-          <a:xfrm>
-            <a:off x="20570052" y="25303345"/>
-            <a:ext cx="6455367" cy="14485352"/>
-          </a:xfrm>
-          <a:prstGeom prst="rect">
-            <a:avLst/>
-          </a:prstGeom>
-        </p:spPr>
-      </p:pic>
       <p:sp>
         <p:nvSpPr>
           <p:cNvPr id="29" name="TextBox 28">
@@ -4143,7 +4071,7 @@
         </p:nvSpPr>
         <p:spPr>
           <a:xfrm>
-            <a:off x="27741776" y="40390850"/>
+            <a:off x="27725889" y="40390850"/>
             <a:ext cx="8193734" cy="1169551"/>
           </a:xfrm>
           <a:prstGeom prst="rect">
@@ -4169,42 +4097,6 @@
           </a:p>
         </p:txBody>
       </p:sp>
-      <p:pic>
-        <p:nvPicPr>
-          <p:cNvPr id="31" name="Picture 30" descr="A screenshot of a phone&#10;&#10;AI-generated content may be incorrect.">
-            <a:extLst>
-              <a:ext uri="{FF2B5EF4-FFF2-40B4-BE49-F238E27FC236}">
-                <a16:creationId xmlns:a16="http://schemas.microsoft.com/office/drawing/2014/main" id="{AE1F21B4-9460-937C-1306-CC3FFD90ED48}"/>
-              </a:ext>
-            </a:extLst>
-          </p:cNvPr>
-          <p:cNvPicPr>
-            <a:picLocks noChangeAspect="1"/>
-          </p:cNvPicPr>
-          <p:nvPr/>
-        </p:nvPicPr>
-        <p:blipFill>
-          <a:blip r:embed="rId5">
-            <a:extLst>
-              <a:ext uri="{28A0092B-C50C-407E-A947-70E740481C1C}">
-                <a14:useLocalDpi xmlns:a14="http://schemas.microsoft.com/office/drawing/2010/main" val="0"/>
-              </a:ext>
-            </a:extLst>
-          </a:blip>
-          <a:stretch>
-            <a:fillRect/>
-          </a:stretch>
-        </p:blipFill>
-        <p:spPr>
-          <a:xfrm>
-            <a:off x="28595072" y="25303345"/>
-            <a:ext cx="6487142" cy="14556651"/>
-          </a:xfrm>
-          <a:prstGeom prst="rect">
-            <a:avLst/>
-          </a:prstGeom>
-        </p:spPr>
-      </p:pic>
       <p:pic>
         <p:nvPicPr>
           <p:cNvPr id="35" name="Picture 34" descr="A person with a mustache wearing glasses&#10;&#10;AI-generated content may be incorrect.">
@@ -4220,7 +4112,7 @@
           <p:nvPr/>
         </p:nvPicPr>
         <p:blipFill>
-          <a:blip r:embed="rId6">
+          <a:blip r:embed="rId3">
             <a:extLst>
               <a:ext uri="{28A0092B-C50C-407E-A947-70E740481C1C}">
                 <a14:useLocalDpi xmlns:a14="http://schemas.microsoft.com/office/drawing/2010/main" val="0"/>
@@ -4256,7 +4148,7 @@
           <p:nvPr/>
         </p:nvPicPr>
         <p:blipFill>
-          <a:blip r:embed="rId7">
+          <a:blip r:embed="rId4">
             <a:extLst>
               <a:ext uri="{28A0092B-C50C-407E-A947-70E740481C1C}">
                 <a14:useLocalDpi xmlns:a14="http://schemas.microsoft.com/office/drawing/2010/main" val="0"/>
@@ -4271,6 +4163,114 @@
           <a:xfrm>
             <a:off x="1558143" y="23346936"/>
             <a:ext cx="6595401" cy="6595401"/>
+          </a:xfrm>
+          <a:prstGeom prst="rect">
+            <a:avLst/>
+          </a:prstGeom>
+        </p:spPr>
+      </p:pic>
+      <p:pic>
+        <p:nvPicPr>
+          <p:cNvPr id="11" name="Picture 10" descr="A screenshot of a phone&#10;&#10;AI-generated content may be incorrect.">
+            <a:extLst>
+              <a:ext uri="{FF2B5EF4-FFF2-40B4-BE49-F238E27FC236}">
+                <a16:creationId xmlns:a16="http://schemas.microsoft.com/office/drawing/2014/main" id="{CAD9EBFA-7D74-E6C2-9FFF-5716A2A35658}"/>
+              </a:ext>
+            </a:extLst>
+          </p:cNvPr>
+          <p:cNvPicPr>
+            <a:picLocks noChangeAspect="1"/>
+          </p:cNvPicPr>
+          <p:nvPr/>
+        </p:nvPicPr>
+        <p:blipFill>
+          <a:blip r:embed="rId5">
+            <a:extLst>
+              <a:ext uri="{28A0092B-C50C-407E-A947-70E740481C1C}">
+                <a14:useLocalDpi xmlns:a14="http://schemas.microsoft.com/office/drawing/2010/main" val="0"/>
+              </a:ext>
+            </a:extLst>
+          </a:blip>
+          <a:stretch>
+            <a:fillRect/>
+          </a:stretch>
+        </p:blipFill>
+        <p:spPr>
+          <a:xfrm>
+            <a:off x="20570051" y="25284671"/>
+            <a:ext cx="6455368" cy="14485353"/>
+          </a:xfrm>
+          <a:prstGeom prst="rect">
+            <a:avLst/>
+          </a:prstGeom>
+        </p:spPr>
+      </p:pic>
+      <p:pic>
+        <p:nvPicPr>
+          <p:cNvPr id="16" name="Picture 15" descr="A screen shot of a phone&#10;&#10;AI-generated content may be incorrect.">
+            <a:extLst>
+              <a:ext uri="{FF2B5EF4-FFF2-40B4-BE49-F238E27FC236}">
+                <a16:creationId xmlns:a16="http://schemas.microsoft.com/office/drawing/2014/main" id="{30AA7569-F6A7-888C-7E6B-EC0E738B64A4}"/>
+              </a:ext>
+            </a:extLst>
+          </p:cNvPr>
+          <p:cNvPicPr>
+            <a:picLocks noChangeAspect="1"/>
+          </p:cNvPicPr>
+          <p:nvPr/>
+        </p:nvPicPr>
+        <p:blipFill>
+          <a:blip r:embed="rId6">
+            <a:extLst>
+              <a:ext uri="{28A0092B-C50C-407E-A947-70E740481C1C}">
+                <a14:useLocalDpi xmlns:a14="http://schemas.microsoft.com/office/drawing/2010/main" val="0"/>
+              </a:ext>
+            </a:extLst>
+          </a:blip>
+          <a:stretch>
+            <a:fillRect/>
+          </a:stretch>
+        </p:blipFill>
+        <p:spPr>
+          <a:xfrm>
+            <a:off x="12545029" y="25296091"/>
+            <a:ext cx="6455369" cy="14485354"/>
+          </a:xfrm>
+          <a:prstGeom prst="rect">
+            <a:avLst/>
+          </a:prstGeom>
+        </p:spPr>
+      </p:pic>
+      <p:pic>
+        <p:nvPicPr>
+          <p:cNvPr id="23" name="Picture 22" descr="A screenshot of a phone&#10;&#10;AI-generated content may be incorrect.">
+            <a:extLst>
+              <a:ext uri="{FF2B5EF4-FFF2-40B4-BE49-F238E27FC236}">
+                <a16:creationId xmlns:a16="http://schemas.microsoft.com/office/drawing/2014/main" id="{7409A200-C097-7F4B-B905-869CF3835D47}"/>
+              </a:ext>
+            </a:extLst>
+          </p:cNvPr>
+          <p:cNvPicPr>
+            <a:picLocks noChangeAspect="1"/>
+          </p:cNvPicPr>
+          <p:nvPr/>
+        </p:nvPicPr>
+        <p:blipFill>
+          <a:blip r:embed="rId7">
+            <a:extLst>
+              <a:ext uri="{28A0092B-C50C-407E-A947-70E740481C1C}">
+                <a14:useLocalDpi xmlns:a14="http://schemas.microsoft.com/office/drawing/2010/main" val="0"/>
+              </a:ext>
+            </a:extLst>
+          </a:blip>
+          <a:stretch>
+            <a:fillRect/>
+          </a:stretch>
+        </p:blipFill>
+        <p:spPr>
+          <a:xfrm>
+            <a:off x="28595072" y="25248559"/>
+            <a:ext cx="6455368" cy="14485354"/>
           </a:xfrm>
           <a:prstGeom prst="rect">
             <a:avLst/>

--- a/MovieJournal_Poster.pptx
+++ b/MovieJournal_Poster.pptx
@@ -3115,7 +3115,7 @@
         </p:nvSpPr>
         <p:spPr>
           <a:xfrm>
-            <a:off x="23286720" y="4423561"/>
+            <a:off x="23283932" y="3648062"/>
             <a:ext cx="10622280" cy="7127079"/>
           </a:xfrm>
           <a:prstGeom prst="rect">
@@ -3465,7 +3465,7 @@
         </p:nvSpPr>
         <p:spPr>
           <a:xfrm>
-            <a:off x="23286720" y="14288680"/>
+            <a:off x="23283932" y="13114334"/>
             <a:ext cx="10622280" cy="4918526"/>
           </a:xfrm>
           <a:prstGeom prst="rect">
@@ -4271,6 +4271,114 @@
           <a:xfrm>
             <a:off x="28595072" y="25248559"/>
             <a:ext cx="6455368" cy="14485354"/>
+          </a:xfrm>
+          <a:prstGeom prst="rect">
+            <a:avLst/>
+          </a:prstGeom>
+        </p:spPr>
+      </p:pic>
+      <p:pic>
+        <p:nvPicPr>
+          <p:cNvPr id="26" name="Graphic 25">
+            <a:extLst>
+              <a:ext uri="{FF2B5EF4-FFF2-40B4-BE49-F238E27FC236}">
+                <a16:creationId xmlns:a16="http://schemas.microsoft.com/office/drawing/2014/main" id="{D20ABFC1-CEE9-C487-829A-07842AEB8F28}"/>
+              </a:ext>
+            </a:extLst>
+          </p:cNvPr>
+          <p:cNvPicPr>
+            <a:picLocks noChangeAspect="1"/>
+          </p:cNvPicPr>
+          <p:nvPr/>
+        </p:nvPicPr>
+        <p:blipFill>
+          <a:blip r:embed="rId8">
+            <a:extLst>
+              <a:ext uri="{96DAC541-7B7A-43D3-8B79-37D633B846F1}">
+                <asvg:svgBlip xmlns:asvg="http://schemas.microsoft.com/office/drawing/2016/SVG/main" r:embed="rId9"/>
+              </a:ext>
+            </a:extLst>
+          </a:blip>
+          <a:stretch>
+            <a:fillRect/>
+          </a:stretch>
+        </p:blipFill>
+        <p:spPr>
+          <a:xfrm>
+            <a:off x="26811065" y="19533704"/>
+            <a:ext cx="3568013" cy="1588881"/>
+          </a:xfrm>
+          <a:prstGeom prst="rect">
+            <a:avLst/>
+          </a:prstGeom>
+        </p:spPr>
+      </p:pic>
+      <p:pic>
+        <p:nvPicPr>
+          <p:cNvPr id="32" name="Graphic 31">
+            <a:extLst>
+              <a:ext uri="{FF2B5EF4-FFF2-40B4-BE49-F238E27FC236}">
+                <a16:creationId xmlns:a16="http://schemas.microsoft.com/office/drawing/2014/main" id="{16675CE2-920E-C7FC-DC9E-132EA515FE6C}"/>
+              </a:ext>
+            </a:extLst>
+          </p:cNvPr>
+          <p:cNvPicPr>
+            <a:picLocks noChangeAspect="1"/>
+          </p:cNvPicPr>
+          <p:nvPr/>
+        </p:nvPicPr>
+        <p:blipFill>
+          <a:blip r:embed="rId10">
+            <a:extLst>
+              <a:ext uri="{96DAC541-7B7A-43D3-8B79-37D633B846F1}">
+                <asvg:svgBlip xmlns:asvg="http://schemas.microsoft.com/office/drawing/2016/SVG/main" r:embed="rId11"/>
+              </a:ext>
+            </a:extLst>
+          </a:blip>
+          <a:stretch>
+            <a:fillRect/>
+          </a:stretch>
+        </p:blipFill>
+        <p:spPr>
+          <a:xfrm>
+            <a:off x="23283932" y="18997613"/>
+            <a:ext cx="2477478" cy="2477478"/>
+          </a:xfrm>
+          <a:prstGeom prst="rect">
+            <a:avLst/>
+          </a:prstGeom>
+        </p:spPr>
+      </p:pic>
+      <p:pic>
+        <p:nvPicPr>
+          <p:cNvPr id="34" name="Graphic 33">
+            <a:extLst>
+              <a:ext uri="{FF2B5EF4-FFF2-40B4-BE49-F238E27FC236}">
+                <a16:creationId xmlns:a16="http://schemas.microsoft.com/office/drawing/2014/main" id="{79E721C6-42E0-D2C8-9EAF-60FD6458DB9F}"/>
+              </a:ext>
+            </a:extLst>
+          </p:cNvPr>
+          <p:cNvPicPr>
+            <a:picLocks noChangeAspect="1"/>
+          </p:cNvPicPr>
+          <p:nvPr/>
+        </p:nvPicPr>
+        <p:blipFill>
+          <a:blip r:embed="rId12">
+            <a:extLst>
+              <a:ext uri="{96DAC541-7B7A-43D3-8B79-37D633B846F1}">
+                <asvg:svgBlip xmlns:asvg="http://schemas.microsoft.com/office/drawing/2016/SVG/main" r:embed="rId13"/>
+              </a:ext>
+            </a:extLst>
+          </a:blip>
+          <a:stretch>
+            <a:fillRect/>
+          </a:stretch>
+        </p:blipFill>
+        <p:spPr>
+          <a:xfrm>
+            <a:off x="31428733" y="19110279"/>
+            <a:ext cx="2564576" cy="2564576"/>
           </a:xfrm>
           <a:prstGeom prst="rect">
             <a:avLst/>

--- a/MovieJournal_Poster.pptx
+++ b/MovieJournal_Poster.pptx
@@ -3565,7 +3565,7 @@
         </p:nvSpPr>
         <p:spPr>
           <a:xfrm>
-            <a:off x="1157625" y="1547082"/>
+            <a:off x="-297180" y="1430775"/>
             <a:ext cx="7620000" cy="1323439"/>
           </a:xfrm>
           <a:prstGeom prst="rect">
@@ -3614,7 +3614,7 @@
         </p:nvSpPr>
         <p:spPr>
           <a:xfrm>
-            <a:off x="571498" y="3495662"/>
+            <a:off x="571498" y="3837868"/>
             <a:ext cx="8568690" cy="304800"/>
           </a:xfrm>
           <a:prstGeom prst="flowChartAlternateProcess">
@@ -4379,6 +4379,42 @@
           <a:xfrm>
             <a:off x="31428733" y="19110279"/>
             <a:ext cx="2564576" cy="2564576"/>
+          </a:xfrm>
+          <a:prstGeom prst="rect">
+            <a:avLst/>
+          </a:prstGeom>
+        </p:spPr>
+      </p:pic>
+      <p:pic>
+        <p:nvPicPr>
+          <p:cNvPr id="14" name="Picture 13" descr="A blue and grey movie clapper board&#10;&#10;AI-generated content may be incorrect.">
+            <a:extLst>
+              <a:ext uri="{FF2B5EF4-FFF2-40B4-BE49-F238E27FC236}">
+                <a16:creationId xmlns:a16="http://schemas.microsoft.com/office/drawing/2014/main" id="{198FEA23-DEAD-D028-B37D-7CB241E0E9F4}"/>
+              </a:ext>
+            </a:extLst>
+          </p:cNvPr>
+          <p:cNvPicPr>
+            <a:picLocks noChangeAspect="1"/>
+          </p:cNvPicPr>
+          <p:nvPr/>
+        </p:nvPicPr>
+        <p:blipFill>
+          <a:blip r:embed="rId14">
+            <a:extLst>
+              <a:ext uri="{28A0092B-C50C-407E-A947-70E740481C1C}">
+                <a14:useLocalDpi xmlns:a14="http://schemas.microsoft.com/office/drawing/2010/main" val="0"/>
+              </a:ext>
+            </a:extLst>
+          </a:blip>
+          <a:stretch>
+            <a:fillRect/>
+          </a:stretch>
+        </p:blipFill>
+        <p:spPr>
+          <a:xfrm>
+            <a:off x="6957425" y="621780"/>
+            <a:ext cx="2941431" cy="2941431"/>
           </a:xfrm>
           <a:prstGeom prst="rect">
             <a:avLst/>

--- a/MovieJournal_Poster.pptx
+++ b/MovieJournal_Poster.pptx
@@ -3282,7 +3282,27 @@
                 <a:latin typeface="Roboto" panose="02000000000000000000" pitchFamily="2" charset="0"/>
                 <a:ea typeface="Roboto" panose="02000000000000000000" pitchFamily="2" charset="0"/>
               </a:rPr>
-              <a:t>Android Development – Learning and implementing UI best practices in a mobile environment</a:t>
+              <a:t>Android Development – Learning </a:t>
+            </a:r>
+            <a:r>
+              <a:rPr lang="en-US" sz="3588">
+                <a:solidFill>
+                  <a:prstClr val="white"/>
+                </a:solidFill>
+                <a:latin typeface="Roboto" panose="02000000000000000000" pitchFamily="2" charset="0"/>
+                <a:ea typeface="Roboto" panose="02000000000000000000" pitchFamily="2" charset="0"/>
+              </a:rPr>
+              <a:t>and implementing </a:t>
+            </a:r>
+            <a:r>
+              <a:rPr lang="en-US" sz="3588" dirty="0">
+                <a:solidFill>
+                  <a:prstClr val="white"/>
+                </a:solidFill>
+                <a:latin typeface="Roboto" panose="02000000000000000000" pitchFamily="2" charset="0"/>
+                <a:ea typeface="Roboto" panose="02000000000000000000" pitchFamily="2" charset="0"/>
+              </a:rPr>
+              <a:t>best practices in a mobile environment</a:t>
             </a:r>
           </a:p>
           <a:p>
@@ -3842,7 +3862,7 @@
                   <a:schemeClr val="bg1"/>
                 </a:solidFill>
               </a:rPr>
-              <a:t>Computer Science?</a:t>
+              <a:t>Computer Science</a:t>
             </a:r>
           </a:p>
         </p:txBody>

--- a/MovieJournal_Poster.pptx
+++ b/MovieJournal_Poster.pptx
@@ -2,12 +2,12 @@
 <file path=ppt/presentation.xml><?xml version="1.0" encoding="utf-8"?>
 <p:presentation xmlns:a="http://schemas.openxmlformats.org/drawingml/2006/main" xmlns:r="http://schemas.openxmlformats.org/officeDocument/2006/relationships" xmlns:p="http://schemas.openxmlformats.org/presentationml/2006/main" saveSubsetFonts="1">
   <p:sldMasterIdLst>
-    <p:sldMasterId id="2147483672" r:id="rId1"/>
+    <p:sldMasterId id="2147483684" r:id="rId1"/>
   </p:sldMasterIdLst>
   <p:sldIdLst>
     <p:sldId id="259" r:id="rId2"/>
   </p:sldIdLst>
-  <p:sldSz cx="37490400" cy="43891200"/>
+  <p:sldSz cx="38404800" cy="43891200"/>
   <p:notesSz cx="6858000" cy="9144000"/>
   <p:defaultTextStyle>
     <a:defPPr>
@@ -141,15 +141,15 @@
         </p:nvSpPr>
         <p:spPr>
           <a:xfrm>
-            <a:off x="2811780" y="7183123"/>
-            <a:ext cx="31866840" cy="15280640"/>
+            <a:off x="2880360" y="7183123"/>
+            <a:ext cx="32644080" cy="15280640"/>
           </a:xfrm>
         </p:spPr>
         <p:txBody>
           <a:bodyPr anchor="b"/>
           <a:lstStyle>
             <a:lvl1pPr algn="ctr">
-              <a:defRPr sz="24600"/>
+              <a:defRPr sz="25200"/>
             </a:lvl1pPr>
           </a:lstStyle>
           <a:p>
@@ -173,8 +173,8 @@
         </p:nvSpPr>
         <p:spPr>
           <a:xfrm>
-            <a:off x="4686300" y="23053043"/>
-            <a:ext cx="28117800" cy="10596877"/>
+            <a:off x="4800600" y="23053043"/>
+            <a:ext cx="28803600" cy="10596877"/>
           </a:xfrm>
         </p:spPr>
         <p:txBody>
@@ -182,39 +182,39 @@
           <a:lstStyle>
             <a:lvl1pPr marL="0" indent="0" algn="ctr">
               <a:buNone/>
-              <a:defRPr sz="9840"/>
+              <a:defRPr sz="10080"/>
             </a:lvl1pPr>
-            <a:lvl2pPr marL="1874520" indent="0" algn="ctr">
-              <a:buNone/>
-              <a:defRPr sz="8200"/>
+            <a:lvl2pPr marL="1920240" indent="0" algn="ctr">
+              <a:buNone/>
+              <a:defRPr sz="8400"/>
             </a:lvl2pPr>
-            <a:lvl3pPr marL="3749040" indent="0" algn="ctr">
-              <a:buNone/>
-              <a:defRPr sz="7380"/>
+            <a:lvl3pPr marL="3840480" indent="0" algn="ctr">
+              <a:buNone/>
+              <a:defRPr sz="7560"/>
             </a:lvl3pPr>
-            <a:lvl4pPr marL="5623560" indent="0" algn="ctr">
-              <a:buNone/>
-              <a:defRPr sz="6560"/>
+            <a:lvl4pPr marL="5760720" indent="0" algn="ctr">
+              <a:buNone/>
+              <a:defRPr sz="6720"/>
             </a:lvl4pPr>
-            <a:lvl5pPr marL="7498080" indent="0" algn="ctr">
-              <a:buNone/>
-              <a:defRPr sz="6560"/>
+            <a:lvl5pPr marL="7680960" indent="0" algn="ctr">
+              <a:buNone/>
+              <a:defRPr sz="6720"/>
             </a:lvl5pPr>
-            <a:lvl6pPr marL="9372600" indent="0" algn="ctr">
-              <a:buNone/>
-              <a:defRPr sz="6560"/>
+            <a:lvl6pPr marL="9601200" indent="0" algn="ctr">
+              <a:buNone/>
+              <a:defRPr sz="6720"/>
             </a:lvl6pPr>
-            <a:lvl7pPr marL="11247120" indent="0" algn="ctr">
-              <a:buNone/>
-              <a:defRPr sz="6560"/>
+            <a:lvl7pPr marL="11521440" indent="0" algn="ctr">
+              <a:buNone/>
+              <a:defRPr sz="6720"/>
             </a:lvl7pPr>
-            <a:lvl8pPr marL="13121640" indent="0" algn="ctr">
-              <a:buNone/>
-              <a:defRPr sz="6560"/>
+            <a:lvl8pPr marL="13441680" indent="0" algn="ctr">
+              <a:buNone/>
+              <a:defRPr sz="6720"/>
             </a:lvl8pPr>
-            <a:lvl9pPr marL="14996160" indent="0" algn="ctr">
-              <a:buNone/>
-              <a:defRPr sz="6560"/>
+            <a:lvl9pPr marL="15361920" indent="0" algn="ctr">
+              <a:buNone/>
+              <a:defRPr sz="6720"/>
             </a:lvl9pPr>
           </a:lstStyle>
           <a:p>
@@ -243,7 +243,7 @@
           <a:p>
             <a:fld id="{32C79895-A42C-44A3-88EB-31C1EF1E5FC8}" type="datetimeFigureOut">
               <a:rPr lang="en-US" smtClean="0"/>
-              <a:t>3/17/2025</a:t>
+              <a:t>3/23/2025</a:t>
             </a:fld>
             <a:endParaRPr lang="en-US"/>
           </a:p>
@@ -294,7 +294,7 @@
     </p:spTree>
     <p:extLst>
       <p:ext uri="{BB962C8B-B14F-4D97-AF65-F5344CB8AC3E}">
-        <p14:creationId xmlns:p14="http://schemas.microsoft.com/office/powerpoint/2010/main" val="3487962872"/>
+        <p14:creationId xmlns:p14="http://schemas.microsoft.com/office/powerpoint/2010/main" val="4002490581"/>
       </p:ext>
     </p:extLst>
   </p:cSld>
@@ -413,7 +413,7 @@
           <a:p>
             <a:fld id="{32C79895-A42C-44A3-88EB-31C1EF1E5FC8}" type="datetimeFigureOut">
               <a:rPr lang="en-US" smtClean="0"/>
-              <a:t>3/17/2025</a:t>
+              <a:t>3/23/2025</a:t>
             </a:fld>
             <a:endParaRPr lang="en-US"/>
           </a:p>
@@ -464,7 +464,7 @@
     </p:spTree>
     <p:extLst>
       <p:ext uri="{BB962C8B-B14F-4D97-AF65-F5344CB8AC3E}">
-        <p14:creationId xmlns:p14="http://schemas.microsoft.com/office/powerpoint/2010/main" val="2149770072"/>
+        <p14:creationId xmlns:p14="http://schemas.microsoft.com/office/powerpoint/2010/main" val="2419272513"/>
       </p:ext>
     </p:extLst>
   </p:cSld>
@@ -503,8 +503,8 @@
         </p:nvSpPr>
         <p:spPr>
           <a:xfrm>
-            <a:off x="26829069" y="2336800"/>
-            <a:ext cx="8083868" cy="37195763"/>
+            <a:off x="27483437" y="2336800"/>
+            <a:ext cx="8281035" cy="37195763"/>
           </a:xfrm>
         </p:spPr>
         <p:txBody>
@@ -531,8 +531,8 @@
         </p:nvSpPr>
         <p:spPr>
           <a:xfrm>
-            <a:off x="2577467" y="2336800"/>
-            <a:ext cx="23782973" cy="37195763"/>
+            <a:off x="2640332" y="2336800"/>
+            <a:ext cx="24363045" cy="37195763"/>
           </a:xfrm>
         </p:spPr>
         <p:txBody>
@@ -593,7 +593,7 @@
           <a:p>
             <a:fld id="{32C79895-A42C-44A3-88EB-31C1EF1E5FC8}" type="datetimeFigureOut">
               <a:rPr lang="en-US" smtClean="0"/>
-              <a:t>3/17/2025</a:t>
+              <a:t>3/23/2025</a:t>
             </a:fld>
             <a:endParaRPr lang="en-US"/>
           </a:p>
@@ -644,7 +644,7 @@
     </p:spTree>
     <p:extLst>
       <p:ext uri="{BB962C8B-B14F-4D97-AF65-F5344CB8AC3E}">
-        <p14:creationId xmlns:p14="http://schemas.microsoft.com/office/powerpoint/2010/main" val="4207417731"/>
+        <p14:creationId xmlns:p14="http://schemas.microsoft.com/office/powerpoint/2010/main" val="3755455844"/>
       </p:ext>
     </p:extLst>
   </p:cSld>
@@ -763,7 +763,7 @@
           <a:p>
             <a:fld id="{32C79895-A42C-44A3-88EB-31C1EF1E5FC8}" type="datetimeFigureOut">
               <a:rPr lang="en-US" smtClean="0"/>
-              <a:t>3/17/2025</a:t>
+              <a:t>3/23/2025</a:t>
             </a:fld>
             <a:endParaRPr lang="en-US"/>
           </a:p>
@@ -814,7 +814,7 @@
     </p:spTree>
     <p:extLst>
       <p:ext uri="{BB962C8B-B14F-4D97-AF65-F5344CB8AC3E}">
-        <p14:creationId xmlns:p14="http://schemas.microsoft.com/office/powerpoint/2010/main" val="963705256"/>
+        <p14:creationId xmlns:p14="http://schemas.microsoft.com/office/powerpoint/2010/main" val="432979330"/>
       </p:ext>
     </p:extLst>
   </p:cSld>
@@ -853,15 +853,15 @@
         </p:nvSpPr>
         <p:spPr>
           <a:xfrm>
-            <a:off x="2557941" y="10942333"/>
-            <a:ext cx="32335470" cy="18257517"/>
+            <a:off x="2620330" y="10942333"/>
+            <a:ext cx="33124140" cy="18257517"/>
           </a:xfrm>
         </p:spPr>
         <p:txBody>
           <a:bodyPr anchor="b"/>
           <a:lstStyle>
             <a:lvl1pPr>
-              <a:defRPr sz="24600"/>
+              <a:defRPr sz="25200"/>
             </a:lvl1pPr>
           </a:lstStyle>
           <a:p>
@@ -885,8 +885,8 @@
         </p:nvSpPr>
         <p:spPr>
           <a:xfrm>
-            <a:off x="2557941" y="29372573"/>
-            <a:ext cx="32335470" cy="9601197"/>
+            <a:off x="2620330" y="29372573"/>
+            <a:ext cx="33124140" cy="9601197"/>
           </a:xfrm>
         </p:spPr>
         <p:txBody>
@@ -894,7 +894,7 @@
           <a:lstStyle>
             <a:lvl1pPr marL="0" indent="0">
               <a:buNone/>
-              <a:defRPr sz="9840">
+              <a:defRPr sz="10080">
                 <a:solidFill>
                   <a:schemeClr val="tx1">
                     <a:tint val="82000"/>
@@ -902,9 +902,9 @@
                 </a:solidFill>
               </a:defRPr>
             </a:lvl1pPr>
-            <a:lvl2pPr marL="1874520" indent="0">
-              <a:buNone/>
-              <a:defRPr sz="8200">
+            <a:lvl2pPr marL="1920240" indent="0">
+              <a:buNone/>
+              <a:defRPr sz="8400">
                 <a:solidFill>
                   <a:schemeClr val="tx1">
                     <a:tint val="82000"/>
@@ -912,9 +912,9 @@
                 </a:solidFill>
               </a:defRPr>
             </a:lvl2pPr>
-            <a:lvl3pPr marL="3749040" indent="0">
-              <a:buNone/>
-              <a:defRPr sz="7380">
+            <a:lvl3pPr marL="3840480" indent="0">
+              <a:buNone/>
+              <a:defRPr sz="7560">
                 <a:solidFill>
                   <a:schemeClr val="tx1">
                     <a:tint val="82000"/>
@@ -922,9 +922,9 @@
                 </a:solidFill>
               </a:defRPr>
             </a:lvl3pPr>
-            <a:lvl4pPr marL="5623560" indent="0">
-              <a:buNone/>
-              <a:defRPr sz="6560">
+            <a:lvl4pPr marL="5760720" indent="0">
+              <a:buNone/>
+              <a:defRPr sz="6720">
                 <a:solidFill>
                   <a:schemeClr val="tx1">
                     <a:tint val="82000"/>
@@ -932,9 +932,9 @@
                 </a:solidFill>
               </a:defRPr>
             </a:lvl4pPr>
-            <a:lvl5pPr marL="7498080" indent="0">
-              <a:buNone/>
-              <a:defRPr sz="6560">
+            <a:lvl5pPr marL="7680960" indent="0">
+              <a:buNone/>
+              <a:defRPr sz="6720">
                 <a:solidFill>
                   <a:schemeClr val="tx1">
                     <a:tint val="82000"/>
@@ -942,9 +942,9 @@
                 </a:solidFill>
               </a:defRPr>
             </a:lvl5pPr>
-            <a:lvl6pPr marL="9372600" indent="0">
-              <a:buNone/>
-              <a:defRPr sz="6560">
+            <a:lvl6pPr marL="9601200" indent="0">
+              <a:buNone/>
+              <a:defRPr sz="6720">
                 <a:solidFill>
                   <a:schemeClr val="tx1">
                     <a:tint val="82000"/>
@@ -952,9 +952,9 @@
                 </a:solidFill>
               </a:defRPr>
             </a:lvl6pPr>
-            <a:lvl7pPr marL="11247120" indent="0">
-              <a:buNone/>
-              <a:defRPr sz="6560">
+            <a:lvl7pPr marL="11521440" indent="0">
+              <a:buNone/>
+              <a:defRPr sz="6720">
                 <a:solidFill>
                   <a:schemeClr val="tx1">
                     <a:tint val="82000"/>
@@ -962,9 +962,9 @@
                 </a:solidFill>
               </a:defRPr>
             </a:lvl7pPr>
-            <a:lvl8pPr marL="13121640" indent="0">
-              <a:buNone/>
-              <a:defRPr sz="6560">
+            <a:lvl8pPr marL="13441680" indent="0">
+              <a:buNone/>
+              <a:defRPr sz="6720">
                 <a:solidFill>
                   <a:schemeClr val="tx1">
                     <a:tint val="82000"/>
@@ -972,9 +972,9 @@
                 </a:solidFill>
               </a:defRPr>
             </a:lvl8pPr>
-            <a:lvl9pPr marL="14996160" indent="0">
-              <a:buNone/>
-              <a:defRPr sz="6560">
+            <a:lvl9pPr marL="15361920" indent="0">
+              <a:buNone/>
+              <a:defRPr sz="6720">
                 <a:solidFill>
                   <a:schemeClr val="tx1">
                     <a:tint val="82000"/>
@@ -1009,7 +1009,7 @@
           <a:p>
             <a:fld id="{32C79895-A42C-44A3-88EB-31C1EF1E5FC8}" type="datetimeFigureOut">
               <a:rPr lang="en-US" smtClean="0"/>
-              <a:t>3/17/2025</a:t>
+              <a:t>3/23/2025</a:t>
             </a:fld>
             <a:endParaRPr lang="en-US"/>
           </a:p>
@@ -1060,7 +1060,7 @@
     </p:spTree>
     <p:extLst>
       <p:ext uri="{BB962C8B-B14F-4D97-AF65-F5344CB8AC3E}">
-        <p14:creationId xmlns:p14="http://schemas.microsoft.com/office/powerpoint/2010/main" val="217111810"/>
+        <p14:creationId xmlns:p14="http://schemas.microsoft.com/office/powerpoint/2010/main" val="3816797568"/>
       </p:ext>
     </p:extLst>
   </p:cSld>
@@ -1122,8 +1122,8 @@
         </p:nvSpPr>
         <p:spPr>
           <a:xfrm>
-            <a:off x="2577465" y="11684000"/>
-            <a:ext cx="15933420" cy="27848563"/>
+            <a:off x="2640330" y="11684000"/>
+            <a:ext cx="16322040" cy="27848563"/>
           </a:xfrm>
         </p:spPr>
         <p:txBody>
@@ -1179,8 +1179,8 @@
         </p:nvSpPr>
         <p:spPr>
           <a:xfrm>
-            <a:off x="18979515" y="11684000"/>
-            <a:ext cx="15933420" cy="27848563"/>
+            <a:off x="19442430" y="11684000"/>
+            <a:ext cx="16322040" cy="27848563"/>
           </a:xfrm>
         </p:spPr>
         <p:txBody>
@@ -1241,7 +1241,7 @@
           <a:p>
             <a:fld id="{32C79895-A42C-44A3-88EB-31C1EF1E5FC8}" type="datetimeFigureOut">
               <a:rPr lang="en-US" smtClean="0"/>
-              <a:t>3/17/2025</a:t>
+              <a:t>3/23/2025</a:t>
             </a:fld>
             <a:endParaRPr lang="en-US"/>
           </a:p>
@@ -1292,7 +1292,7 @@
     </p:spTree>
     <p:extLst>
       <p:ext uri="{BB962C8B-B14F-4D97-AF65-F5344CB8AC3E}">
-        <p14:creationId xmlns:p14="http://schemas.microsoft.com/office/powerpoint/2010/main" val="2034035541"/>
+        <p14:creationId xmlns:p14="http://schemas.microsoft.com/office/powerpoint/2010/main" val="26398416"/>
       </p:ext>
     </p:extLst>
   </p:cSld>
@@ -1331,8 +1331,8 @@
         </p:nvSpPr>
         <p:spPr>
           <a:xfrm>
-            <a:off x="2582348" y="2336810"/>
-            <a:ext cx="32335470" cy="8483603"/>
+            <a:off x="2645332" y="2336810"/>
+            <a:ext cx="33124140" cy="8483603"/>
           </a:xfrm>
         </p:spPr>
         <p:txBody>
@@ -1359,8 +1359,8 @@
         </p:nvSpPr>
         <p:spPr>
           <a:xfrm>
-            <a:off x="2582352" y="10759443"/>
-            <a:ext cx="15860194" cy="5273037"/>
+            <a:off x="2645336" y="10759443"/>
+            <a:ext cx="16247028" cy="5273037"/>
           </a:xfrm>
         </p:spPr>
         <p:txBody>
@@ -1368,39 +1368,39 @@
           <a:lstStyle>
             <a:lvl1pPr marL="0" indent="0">
               <a:buNone/>
-              <a:defRPr sz="9840" b="1"/>
+              <a:defRPr sz="10080" b="1"/>
             </a:lvl1pPr>
-            <a:lvl2pPr marL="1874520" indent="0">
-              <a:buNone/>
-              <a:defRPr sz="8200" b="1"/>
+            <a:lvl2pPr marL="1920240" indent="0">
+              <a:buNone/>
+              <a:defRPr sz="8400" b="1"/>
             </a:lvl2pPr>
-            <a:lvl3pPr marL="3749040" indent="0">
-              <a:buNone/>
-              <a:defRPr sz="7380" b="1"/>
+            <a:lvl3pPr marL="3840480" indent="0">
+              <a:buNone/>
+              <a:defRPr sz="7560" b="1"/>
             </a:lvl3pPr>
-            <a:lvl4pPr marL="5623560" indent="0">
-              <a:buNone/>
-              <a:defRPr sz="6560" b="1"/>
+            <a:lvl4pPr marL="5760720" indent="0">
+              <a:buNone/>
+              <a:defRPr sz="6720" b="1"/>
             </a:lvl4pPr>
-            <a:lvl5pPr marL="7498080" indent="0">
-              <a:buNone/>
-              <a:defRPr sz="6560" b="1"/>
+            <a:lvl5pPr marL="7680960" indent="0">
+              <a:buNone/>
+              <a:defRPr sz="6720" b="1"/>
             </a:lvl5pPr>
-            <a:lvl6pPr marL="9372600" indent="0">
-              <a:buNone/>
-              <a:defRPr sz="6560" b="1"/>
+            <a:lvl6pPr marL="9601200" indent="0">
+              <a:buNone/>
+              <a:defRPr sz="6720" b="1"/>
             </a:lvl6pPr>
-            <a:lvl7pPr marL="11247120" indent="0">
-              <a:buNone/>
-              <a:defRPr sz="6560" b="1"/>
+            <a:lvl7pPr marL="11521440" indent="0">
+              <a:buNone/>
+              <a:defRPr sz="6720" b="1"/>
             </a:lvl7pPr>
-            <a:lvl8pPr marL="13121640" indent="0">
-              <a:buNone/>
-              <a:defRPr sz="6560" b="1"/>
+            <a:lvl8pPr marL="13441680" indent="0">
+              <a:buNone/>
+              <a:defRPr sz="6720" b="1"/>
             </a:lvl8pPr>
-            <a:lvl9pPr marL="14996160" indent="0">
-              <a:buNone/>
-              <a:defRPr sz="6560" b="1"/>
+            <a:lvl9pPr marL="15361920" indent="0">
+              <a:buNone/>
+              <a:defRPr sz="6720" b="1"/>
             </a:lvl9pPr>
           </a:lstStyle>
           <a:p>
@@ -1424,8 +1424,8 @@
         </p:nvSpPr>
         <p:spPr>
           <a:xfrm>
-            <a:off x="2582352" y="16032480"/>
-            <a:ext cx="15860194" cy="23581363"/>
+            <a:off x="2645336" y="16032480"/>
+            <a:ext cx="16247028" cy="23581363"/>
           </a:xfrm>
         </p:spPr>
         <p:txBody>
@@ -1481,8 +1481,8 @@
         </p:nvSpPr>
         <p:spPr>
           <a:xfrm>
-            <a:off x="18979517" y="10759443"/>
-            <a:ext cx="15938303" cy="5273037"/>
+            <a:off x="19442432" y="10759443"/>
+            <a:ext cx="16327042" cy="5273037"/>
           </a:xfrm>
         </p:spPr>
         <p:txBody>
@@ -1490,39 +1490,39 @@
           <a:lstStyle>
             <a:lvl1pPr marL="0" indent="0">
               <a:buNone/>
-              <a:defRPr sz="9840" b="1"/>
+              <a:defRPr sz="10080" b="1"/>
             </a:lvl1pPr>
-            <a:lvl2pPr marL="1874520" indent="0">
-              <a:buNone/>
-              <a:defRPr sz="8200" b="1"/>
+            <a:lvl2pPr marL="1920240" indent="0">
+              <a:buNone/>
+              <a:defRPr sz="8400" b="1"/>
             </a:lvl2pPr>
-            <a:lvl3pPr marL="3749040" indent="0">
-              <a:buNone/>
-              <a:defRPr sz="7380" b="1"/>
+            <a:lvl3pPr marL="3840480" indent="0">
+              <a:buNone/>
+              <a:defRPr sz="7560" b="1"/>
             </a:lvl3pPr>
-            <a:lvl4pPr marL="5623560" indent="0">
-              <a:buNone/>
-              <a:defRPr sz="6560" b="1"/>
+            <a:lvl4pPr marL="5760720" indent="0">
+              <a:buNone/>
+              <a:defRPr sz="6720" b="1"/>
             </a:lvl4pPr>
-            <a:lvl5pPr marL="7498080" indent="0">
-              <a:buNone/>
-              <a:defRPr sz="6560" b="1"/>
+            <a:lvl5pPr marL="7680960" indent="0">
+              <a:buNone/>
+              <a:defRPr sz="6720" b="1"/>
             </a:lvl5pPr>
-            <a:lvl6pPr marL="9372600" indent="0">
-              <a:buNone/>
-              <a:defRPr sz="6560" b="1"/>
+            <a:lvl6pPr marL="9601200" indent="0">
+              <a:buNone/>
+              <a:defRPr sz="6720" b="1"/>
             </a:lvl6pPr>
-            <a:lvl7pPr marL="11247120" indent="0">
-              <a:buNone/>
-              <a:defRPr sz="6560" b="1"/>
+            <a:lvl7pPr marL="11521440" indent="0">
+              <a:buNone/>
+              <a:defRPr sz="6720" b="1"/>
             </a:lvl7pPr>
-            <a:lvl8pPr marL="13121640" indent="0">
-              <a:buNone/>
-              <a:defRPr sz="6560" b="1"/>
+            <a:lvl8pPr marL="13441680" indent="0">
+              <a:buNone/>
+              <a:defRPr sz="6720" b="1"/>
             </a:lvl8pPr>
-            <a:lvl9pPr marL="14996160" indent="0">
-              <a:buNone/>
-              <a:defRPr sz="6560" b="1"/>
+            <a:lvl9pPr marL="15361920" indent="0">
+              <a:buNone/>
+              <a:defRPr sz="6720" b="1"/>
             </a:lvl9pPr>
           </a:lstStyle>
           <a:p>
@@ -1546,8 +1546,8 @@
         </p:nvSpPr>
         <p:spPr>
           <a:xfrm>
-            <a:off x="18979517" y="16032480"/>
-            <a:ext cx="15938303" cy="23581363"/>
+            <a:off x="19442432" y="16032480"/>
+            <a:ext cx="16327042" cy="23581363"/>
           </a:xfrm>
         </p:spPr>
         <p:txBody>
@@ -1608,7 +1608,7 @@
           <a:p>
             <a:fld id="{32C79895-A42C-44A3-88EB-31C1EF1E5FC8}" type="datetimeFigureOut">
               <a:rPr lang="en-US" smtClean="0"/>
-              <a:t>3/17/2025</a:t>
+              <a:t>3/23/2025</a:t>
             </a:fld>
             <a:endParaRPr lang="en-US"/>
           </a:p>
@@ -1659,7 +1659,7 @@
     </p:spTree>
     <p:extLst>
       <p:ext uri="{BB962C8B-B14F-4D97-AF65-F5344CB8AC3E}">
-        <p14:creationId xmlns:p14="http://schemas.microsoft.com/office/powerpoint/2010/main" val="3875303582"/>
+        <p14:creationId xmlns:p14="http://schemas.microsoft.com/office/powerpoint/2010/main" val="3974698686"/>
       </p:ext>
     </p:extLst>
   </p:cSld>
@@ -1726,7 +1726,7 @@
           <a:p>
             <a:fld id="{32C79895-A42C-44A3-88EB-31C1EF1E5FC8}" type="datetimeFigureOut">
               <a:rPr lang="en-US" smtClean="0"/>
-              <a:t>3/17/2025</a:t>
+              <a:t>3/23/2025</a:t>
             </a:fld>
             <a:endParaRPr lang="en-US"/>
           </a:p>
@@ -1777,7 +1777,7 @@
     </p:spTree>
     <p:extLst>
       <p:ext uri="{BB962C8B-B14F-4D97-AF65-F5344CB8AC3E}">
-        <p14:creationId xmlns:p14="http://schemas.microsoft.com/office/powerpoint/2010/main" val="808051059"/>
+        <p14:creationId xmlns:p14="http://schemas.microsoft.com/office/powerpoint/2010/main" val="41469835"/>
       </p:ext>
     </p:extLst>
   </p:cSld>
@@ -1821,7 +1821,7 @@
           <a:p>
             <a:fld id="{32C79895-A42C-44A3-88EB-31C1EF1E5FC8}" type="datetimeFigureOut">
               <a:rPr lang="en-US" smtClean="0"/>
-              <a:t>3/17/2025</a:t>
+              <a:t>3/23/2025</a:t>
             </a:fld>
             <a:endParaRPr lang="en-US"/>
           </a:p>
@@ -1872,7 +1872,7 @@
     </p:spTree>
     <p:extLst>
       <p:ext uri="{BB962C8B-B14F-4D97-AF65-F5344CB8AC3E}">
-        <p14:creationId xmlns:p14="http://schemas.microsoft.com/office/powerpoint/2010/main" val="299675197"/>
+        <p14:creationId xmlns:p14="http://schemas.microsoft.com/office/powerpoint/2010/main" val="2084224677"/>
       </p:ext>
     </p:extLst>
   </p:cSld>
@@ -1911,15 +1911,15 @@
         </p:nvSpPr>
         <p:spPr>
           <a:xfrm>
-            <a:off x="2582348" y="2926080"/>
-            <a:ext cx="12091630" cy="10241280"/>
+            <a:off x="2645332" y="2926080"/>
+            <a:ext cx="12386548" cy="10241280"/>
           </a:xfrm>
         </p:spPr>
         <p:txBody>
           <a:bodyPr anchor="b"/>
           <a:lstStyle>
             <a:lvl1pPr>
-              <a:defRPr sz="13120"/>
+              <a:defRPr sz="13440"/>
             </a:lvl1pPr>
           </a:lstStyle>
           <a:p>
@@ -1943,39 +1943,39 @@
         </p:nvSpPr>
         <p:spPr>
           <a:xfrm>
-            <a:off x="15938303" y="6319530"/>
-            <a:ext cx="18979515" cy="31191200"/>
+            <a:off x="16327042" y="6319530"/>
+            <a:ext cx="19442430" cy="31191200"/>
           </a:xfrm>
         </p:spPr>
         <p:txBody>
           <a:bodyPr/>
           <a:lstStyle>
             <a:lvl1pPr>
-              <a:defRPr sz="13120"/>
+              <a:defRPr sz="13440"/>
             </a:lvl1pPr>
             <a:lvl2pPr>
-              <a:defRPr sz="11480"/>
+              <a:defRPr sz="11760"/>
             </a:lvl2pPr>
             <a:lvl3pPr>
-              <a:defRPr sz="9840"/>
+              <a:defRPr sz="10080"/>
             </a:lvl3pPr>
             <a:lvl4pPr>
-              <a:defRPr sz="8200"/>
+              <a:defRPr sz="8400"/>
             </a:lvl4pPr>
             <a:lvl5pPr>
-              <a:defRPr sz="8200"/>
+              <a:defRPr sz="8400"/>
             </a:lvl5pPr>
             <a:lvl6pPr>
-              <a:defRPr sz="8200"/>
+              <a:defRPr sz="8400"/>
             </a:lvl6pPr>
             <a:lvl7pPr>
-              <a:defRPr sz="8200"/>
+              <a:defRPr sz="8400"/>
             </a:lvl7pPr>
             <a:lvl8pPr>
-              <a:defRPr sz="8200"/>
+              <a:defRPr sz="8400"/>
             </a:lvl8pPr>
             <a:lvl9pPr>
-              <a:defRPr sz="8200"/>
+              <a:defRPr sz="8400"/>
             </a:lvl9pPr>
           </a:lstStyle>
           <a:p>
@@ -2028,8 +2028,8 @@
         </p:nvSpPr>
         <p:spPr>
           <a:xfrm>
-            <a:off x="2582348" y="13167360"/>
-            <a:ext cx="12091630" cy="24394163"/>
+            <a:off x="2645332" y="13167360"/>
+            <a:ext cx="12386548" cy="24394163"/>
           </a:xfrm>
         </p:spPr>
         <p:txBody>
@@ -2037,39 +2037,39 @@
           <a:lstStyle>
             <a:lvl1pPr marL="0" indent="0">
               <a:buNone/>
-              <a:defRPr sz="6560"/>
+              <a:defRPr sz="6720"/>
             </a:lvl1pPr>
-            <a:lvl2pPr marL="1874520" indent="0">
-              <a:buNone/>
-              <a:defRPr sz="5740"/>
+            <a:lvl2pPr marL="1920240" indent="0">
+              <a:buNone/>
+              <a:defRPr sz="5880"/>
             </a:lvl2pPr>
-            <a:lvl3pPr marL="3749040" indent="0">
-              <a:buNone/>
-              <a:defRPr sz="4920"/>
+            <a:lvl3pPr marL="3840480" indent="0">
+              <a:buNone/>
+              <a:defRPr sz="5040"/>
             </a:lvl3pPr>
-            <a:lvl4pPr marL="5623560" indent="0">
-              <a:buNone/>
-              <a:defRPr sz="4100"/>
+            <a:lvl4pPr marL="5760720" indent="0">
+              <a:buNone/>
+              <a:defRPr sz="4200"/>
             </a:lvl4pPr>
-            <a:lvl5pPr marL="7498080" indent="0">
-              <a:buNone/>
-              <a:defRPr sz="4100"/>
+            <a:lvl5pPr marL="7680960" indent="0">
+              <a:buNone/>
+              <a:defRPr sz="4200"/>
             </a:lvl5pPr>
-            <a:lvl6pPr marL="9372600" indent="0">
-              <a:buNone/>
-              <a:defRPr sz="4100"/>
+            <a:lvl6pPr marL="9601200" indent="0">
+              <a:buNone/>
+              <a:defRPr sz="4200"/>
             </a:lvl6pPr>
-            <a:lvl7pPr marL="11247120" indent="0">
-              <a:buNone/>
-              <a:defRPr sz="4100"/>
+            <a:lvl7pPr marL="11521440" indent="0">
+              <a:buNone/>
+              <a:defRPr sz="4200"/>
             </a:lvl7pPr>
-            <a:lvl8pPr marL="13121640" indent="0">
-              <a:buNone/>
-              <a:defRPr sz="4100"/>
+            <a:lvl8pPr marL="13441680" indent="0">
+              <a:buNone/>
+              <a:defRPr sz="4200"/>
             </a:lvl8pPr>
-            <a:lvl9pPr marL="14996160" indent="0">
-              <a:buNone/>
-              <a:defRPr sz="4100"/>
+            <a:lvl9pPr marL="15361920" indent="0">
+              <a:buNone/>
+              <a:defRPr sz="4200"/>
             </a:lvl9pPr>
           </a:lstStyle>
           <a:p>
@@ -2098,7 +2098,7 @@
           <a:p>
             <a:fld id="{32C79895-A42C-44A3-88EB-31C1EF1E5FC8}" type="datetimeFigureOut">
               <a:rPr lang="en-US" smtClean="0"/>
-              <a:t>3/17/2025</a:t>
+              <a:t>3/23/2025</a:t>
             </a:fld>
             <a:endParaRPr lang="en-US"/>
           </a:p>
@@ -2149,7 +2149,7 @@
     </p:spTree>
     <p:extLst>
       <p:ext uri="{BB962C8B-B14F-4D97-AF65-F5344CB8AC3E}">
-        <p14:creationId xmlns:p14="http://schemas.microsoft.com/office/powerpoint/2010/main" val="411906457"/>
+        <p14:creationId xmlns:p14="http://schemas.microsoft.com/office/powerpoint/2010/main" val="2573769953"/>
       </p:ext>
     </p:extLst>
   </p:cSld>
@@ -2188,15 +2188,15 @@
         </p:nvSpPr>
         <p:spPr>
           <a:xfrm>
-            <a:off x="2582348" y="2926080"/>
-            <a:ext cx="12091630" cy="10241280"/>
+            <a:off x="2645332" y="2926080"/>
+            <a:ext cx="12386548" cy="10241280"/>
           </a:xfrm>
         </p:spPr>
         <p:txBody>
           <a:bodyPr anchor="b"/>
           <a:lstStyle>
             <a:lvl1pPr>
-              <a:defRPr sz="13120"/>
+              <a:defRPr sz="13440"/>
             </a:lvl1pPr>
           </a:lstStyle>
           <a:p>
@@ -2220,8 +2220,8 @@
         </p:nvSpPr>
         <p:spPr>
           <a:xfrm>
-            <a:off x="15938303" y="6319530"/>
-            <a:ext cx="18979515" cy="31191200"/>
+            <a:off x="16327042" y="6319530"/>
+            <a:ext cx="19442430" cy="31191200"/>
           </a:xfrm>
         </p:spPr>
         <p:txBody>
@@ -2229,39 +2229,39 @@
           <a:lstStyle>
             <a:lvl1pPr marL="0" indent="0">
               <a:buNone/>
-              <a:defRPr sz="13120"/>
+              <a:defRPr sz="13440"/>
             </a:lvl1pPr>
-            <a:lvl2pPr marL="1874520" indent="0">
-              <a:buNone/>
-              <a:defRPr sz="11480"/>
+            <a:lvl2pPr marL="1920240" indent="0">
+              <a:buNone/>
+              <a:defRPr sz="11760"/>
             </a:lvl2pPr>
-            <a:lvl3pPr marL="3749040" indent="0">
-              <a:buNone/>
-              <a:defRPr sz="9840"/>
+            <a:lvl3pPr marL="3840480" indent="0">
+              <a:buNone/>
+              <a:defRPr sz="10080"/>
             </a:lvl3pPr>
-            <a:lvl4pPr marL="5623560" indent="0">
-              <a:buNone/>
-              <a:defRPr sz="8200"/>
+            <a:lvl4pPr marL="5760720" indent="0">
+              <a:buNone/>
+              <a:defRPr sz="8400"/>
             </a:lvl4pPr>
-            <a:lvl5pPr marL="7498080" indent="0">
-              <a:buNone/>
-              <a:defRPr sz="8200"/>
+            <a:lvl5pPr marL="7680960" indent="0">
+              <a:buNone/>
+              <a:defRPr sz="8400"/>
             </a:lvl5pPr>
-            <a:lvl6pPr marL="9372600" indent="0">
-              <a:buNone/>
-              <a:defRPr sz="8200"/>
+            <a:lvl6pPr marL="9601200" indent="0">
+              <a:buNone/>
+              <a:defRPr sz="8400"/>
             </a:lvl6pPr>
-            <a:lvl7pPr marL="11247120" indent="0">
-              <a:buNone/>
-              <a:defRPr sz="8200"/>
+            <a:lvl7pPr marL="11521440" indent="0">
+              <a:buNone/>
+              <a:defRPr sz="8400"/>
             </a:lvl7pPr>
-            <a:lvl8pPr marL="13121640" indent="0">
-              <a:buNone/>
-              <a:defRPr sz="8200"/>
+            <a:lvl8pPr marL="13441680" indent="0">
+              <a:buNone/>
+              <a:defRPr sz="8400"/>
             </a:lvl8pPr>
-            <a:lvl9pPr marL="14996160" indent="0">
-              <a:buNone/>
-              <a:defRPr sz="8200"/>
+            <a:lvl9pPr marL="15361920" indent="0">
+              <a:buNone/>
+              <a:defRPr sz="8400"/>
             </a:lvl9pPr>
           </a:lstStyle>
           <a:p>
@@ -2285,8 +2285,8 @@
         </p:nvSpPr>
         <p:spPr>
           <a:xfrm>
-            <a:off x="2582348" y="13167360"/>
-            <a:ext cx="12091630" cy="24394163"/>
+            <a:off x="2645332" y="13167360"/>
+            <a:ext cx="12386548" cy="24394163"/>
           </a:xfrm>
         </p:spPr>
         <p:txBody>
@@ -2294,39 +2294,39 @@
           <a:lstStyle>
             <a:lvl1pPr marL="0" indent="0">
               <a:buNone/>
-              <a:defRPr sz="6560"/>
+              <a:defRPr sz="6720"/>
             </a:lvl1pPr>
-            <a:lvl2pPr marL="1874520" indent="0">
-              <a:buNone/>
-              <a:defRPr sz="5740"/>
+            <a:lvl2pPr marL="1920240" indent="0">
+              <a:buNone/>
+              <a:defRPr sz="5880"/>
             </a:lvl2pPr>
-            <a:lvl3pPr marL="3749040" indent="0">
-              <a:buNone/>
-              <a:defRPr sz="4920"/>
+            <a:lvl3pPr marL="3840480" indent="0">
+              <a:buNone/>
+              <a:defRPr sz="5040"/>
             </a:lvl3pPr>
-            <a:lvl4pPr marL="5623560" indent="0">
-              <a:buNone/>
-              <a:defRPr sz="4100"/>
+            <a:lvl4pPr marL="5760720" indent="0">
+              <a:buNone/>
+              <a:defRPr sz="4200"/>
             </a:lvl4pPr>
-            <a:lvl5pPr marL="7498080" indent="0">
-              <a:buNone/>
-              <a:defRPr sz="4100"/>
+            <a:lvl5pPr marL="7680960" indent="0">
+              <a:buNone/>
+              <a:defRPr sz="4200"/>
             </a:lvl5pPr>
-            <a:lvl6pPr marL="9372600" indent="0">
-              <a:buNone/>
-              <a:defRPr sz="4100"/>
+            <a:lvl6pPr marL="9601200" indent="0">
+              <a:buNone/>
+              <a:defRPr sz="4200"/>
             </a:lvl6pPr>
-            <a:lvl7pPr marL="11247120" indent="0">
-              <a:buNone/>
-              <a:defRPr sz="4100"/>
+            <a:lvl7pPr marL="11521440" indent="0">
+              <a:buNone/>
+              <a:defRPr sz="4200"/>
             </a:lvl7pPr>
-            <a:lvl8pPr marL="13121640" indent="0">
-              <a:buNone/>
-              <a:defRPr sz="4100"/>
+            <a:lvl8pPr marL="13441680" indent="0">
+              <a:buNone/>
+              <a:defRPr sz="4200"/>
             </a:lvl8pPr>
-            <a:lvl9pPr marL="14996160" indent="0">
-              <a:buNone/>
-              <a:defRPr sz="4100"/>
+            <a:lvl9pPr marL="15361920" indent="0">
+              <a:buNone/>
+              <a:defRPr sz="4200"/>
             </a:lvl9pPr>
           </a:lstStyle>
           <a:p>
@@ -2355,7 +2355,7 @@
           <a:p>
             <a:fld id="{32C79895-A42C-44A3-88EB-31C1EF1E5FC8}" type="datetimeFigureOut">
               <a:rPr lang="en-US" smtClean="0"/>
-              <a:t>3/17/2025</a:t>
+              <a:t>3/23/2025</a:t>
             </a:fld>
             <a:endParaRPr lang="en-US"/>
           </a:p>
@@ -2406,7 +2406,7 @@
     </p:spTree>
     <p:extLst>
       <p:ext uri="{BB962C8B-B14F-4D97-AF65-F5344CB8AC3E}">
-        <p14:creationId xmlns:p14="http://schemas.microsoft.com/office/powerpoint/2010/main" val="65735559"/>
+        <p14:creationId xmlns:p14="http://schemas.microsoft.com/office/powerpoint/2010/main" val="4244499418"/>
       </p:ext>
     </p:extLst>
   </p:cSld>
@@ -2450,8 +2450,8 @@
         </p:nvSpPr>
         <p:spPr>
           <a:xfrm>
-            <a:off x="2577465" y="2336810"/>
-            <a:ext cx="32335470" cy="8483603"/>
+            <a:off x="2640330" y="2336810"/>
+            <a:ext cx="33124140" cy="8483603"/>
           </a:xfrm>
           <a:prstGeom prst="rect">
             <a:avLst/>
@@ -2483,8 +2483,8 @@
         </p:nvSpPr>
         <p:spPr>
           <a:xfrm>
-            <a:off x="2577465" y="11684000"/>
-            <a:ext cx="32335470" cy="27848563"/>
+            <a:off x="2640330" y="11684000"/>
+            <a:ext cx="33124140" cy="27848563"/>
           </a:xfrm>
           <a:prstGeom prst="rect">
             <a:avLst/>
@@ -2545,8 +2545,8 @@
         </p:nvSpPr>
         <p:spPr>
           <a:xfrm>
-            <a:off x="2577465" y="40680650"/>
-            <a:ext cx="8435340" cy="2336800"/>
+            <a:off x="2640330" y="40680650"/>
+            <a:ext cx="8641080" cy="2336800"/>
           </a:xfrm>
           <a:prstGeom prst="rect">
             <a:avLst/>
@@ -2556,7 +2556,7 @@
           <a:bodyPr vert="horz" lIns="91440" tIns="45720" rIns="91440" bIns="45720" rtlCol="0" anchor="ctr"/>
           <a:lstStyle>
             <a:lvl1pPr algn="l">
-              <a:defRPr sz="4920">
+              <a:defRPr sz="5040">
                 <a:solidFill>
                   <a:schemeClr val="tx1">
                     <a:tint val="82000"/>
@@ -2568,7 +2568,7 @@
           <a:p>
             <a:fld id="{32C79895-A42C-44A3-88EB-31C1EF1E5FC8}" type="datetimeFigureOut">
               <a:rPr lang="en-US" smtClean="0"/>
-              <a:t>3/17/2025</a:t>
+              <a:t>3/23/2025</a:t>
             </a:fld>
             <a:endParaRPr lang="en-US"/>
           </a:p>
@@ -2586,8 +2586,8 @@
         </p:nvSpPr>
         <p:spPr>
           <a:xfrm>
-            <a:off x="12418695" y="40680650"/>
-            <a:ext cx="12653010" cy="2336800"/>
+            <a:off x="12721590" y="40680650"/>
+            <a:ext cx="12961620" cy="2336800"/>
           </a:xfrm>
           <a:prstGeom prst="rect">
             <a:avLst/>
@@ -2597,7 +2597,7 @@
           <a:bodyPr vert="horz" lIns="91440" tIns="45720" rIns="91440" bIns="45720" rtlCol="0" anchor="ctr"/>
           <a:lstStyle>
             <a:lvl1pPr algn="ctr">
-              <a:defRPr sz="4920">
+              <a:defRPr sz="5040">
                 <a:solidFill>
                   <a:schemeClr val="tx1">
                     <a:tint val="82000"/>
@@ -2623,8 +2623,8 @@
         </p:nvSpPr>
         <p:spPr>
           <a:xfrm>
-            <a:off x="26477595" y="40680650"/>
-            <a:ext cx="8435340" cy="2336800"/>
+            <a:off x="27123390" y="40680650"/>
+            <a:ext cx="8641080" cy="2336800"/>
           </a:xfrm>
           <a:prstGeom prst="rect">
             <a:avLst/>
@@ -2634,7 +2634,7 @@
           <a:bodyPr vert="horz" lIns="91440" tIns="45720" rIns="91440" bIns="45720" rtlCol="0" anchor="ctr"/>
           <a:lstStyle>
             <a:lvl1pPr algn="r">
-              <a:defRPr sz="4920">
+              <a:defRPr sz="5040">
                 <a:solidFill>
                   <a:schemeClr val="tx1">
                     <a:tint val="82000"/>
@@ -2655,27 +2655,27 @@
     </p:spTree>
     <p:extLst>
       <p:ext uri="{BB962C8B-B14F-4D97-AF65-F5344CB8AC3E}">
-        <p14:creationId xmlns:p14="http://schemas.microsoft.com/office/powerpoint/2010/main" val="1597061664"/>
+        <p14:creationId xmlns:p14="http://schemas.microsoft.com/office/powerpoint/2010/main" val="3522305714"/>
       </p:ext>
     </p:extLst>
   </p:cSld>
   <p:clrMap bg1="lt1" tx1="dk1" bg2="lt2" tx2="dk2" accent1="accent1" accent2="accent2" accent3="accent3" accent4="accent4" accent5="accent5" accent6="accent6" hlink="hlink" folHlink="folHlink"/>
   <p:sldLayoutIdLst>
-    <p:sldLayoutId id="2147483673" r:id="rId1"/>
-    <p:sldLayoutId id="2147483674" r:id="rId2"/>
-    <p:sldLayoutId id="2147483675" r:id="rId3"/>
-    <p:sldLayoutId id="2147483676" r:id="rId4"/>
-    <p:sldLayoutId id="2147483677" r:id="rId5"/>
-    <p:sldLayoutId id="2147483678" r:id="rId6"/>
-    <p:sldLayoutId id="2147483679" r:id="rId7"/>
-    <p:sldLayoutId id="2147483680" r:id="rId8"/>
-    <p:sldLayoutId id="2147483681" r:id="rId9"/>
-    <p:sldLayoutId id="2147483682" r:id="rId10"/>
-    <p:sldLayoutId id="2147483683" r:id="rId11"/>
+    <p:sldLayoutId id="2147483685" r:id="rId1"/>
+    <p:sldLayoutId id="2147483686" r:id="rId2"/>
+    <p:sldLayoutId id="2147483687" r:id="rId3"/>
+    <p:sldLayoutId id="2147483688" r:id="rId4"/>
+    <p:sldLayoutId id="2147483689" r:id="rId5"/>
+    <p:sldLayoutId id="2147483690" r:id="rId6"/>
+    <p:sldLayoutId id="2147483691" r:id="rId7"/>
+    <p:sldLayoutId id="2147483692" r:id="rId8"/>
+    <p:sldLayoutId id="2147483693" r:id="rId9"/>
+    <p:sldLayoutId id="2147483694" r:id="rId10"/>
+    <p:sldLayoutId id="2147483695" r:id="rId11"/>
   </p:sldLayoutIdLst>
   <p:txStyles>
     <p:titleStyle>
-      <a:lvl1pPr algn="l" defTabSz="3749040" rtl="0" eaLnBrk="1" latinLnBrk="0" hangingPunct="1">
+      <a:lvl1pPr algn="l" defTabSz="3840480" rtl="0" eaLnBrk="1" latinLnBrk="0" hangingPunct="1">
         <a:lnSpc>
           <a:spcPct val="90000"/>
         </a:lnSpc>
@@ -2683,7 +2683,7 @@
           <a:spcPct val="0"/>
         </a:spcBef>
         <a:buNone/>
-        <a:defRPr sz="18040" kern="1200">
+        <a:defRPr sz="18480" kern="1200">
           <a:solidFill>
             <a:schemeClr val="tx1"/>
           </a:solidFill>
@@ -2694,16 +2694,16 @@
       </a:lvl1pPr>
     </p:titleStyle>
     <p:bodyStyle>
-      <a:lvl1pPr marL="937260" indent="-937260" algn="l" defTabSz="3749040" rtl="0" eaLnBrk="1" latinLnBrk="0" hangingPunct="1">
+      <a:lvl1pPr marL="960120" indent="-960120" algn="l" defTabSz="3840480" rtl="0" eaLnBrk="1" latinLnBrk="0" hangingPunct="1">
         <a:lnSpc>
           <a:spcPct val="90000"/>
         </a:lnSpc>
         <a:spcBef>
-          <a:spcPts val="4100"/>
+          <a:spcPts val="4200"/>
         </a:spcBef>
         <a:buFont typeface="Arial" panose="020B0604020202020204" pitchFamily="34" charset="0"/>
         <a:buChar char="•"/>
-        <a:defRPr sz="11480" kern="1200">
+        <a:defRPr sz="11760" kern="1200">
           <a:solidFill>
             <a:schemeClr val="tx1"/>
           </a:solidFill>
@@ -2712,16 +2712,16 @@
           <a:cs typeface="+mn-cs"/>
         </a:defRPr>
       </a:lvl1pPr>
-      <a:lvl2pPr marL="2811780" indent="-937260" algn="l" defTabSz="3749040" rtl="0" eaLnBrk="1" latinLnBrk="0" hangingPunct="1">
+      <a:lvl2pPr marL="2880360" indent="-960120" algn="l" defTabSz="3840480" rtl="0" eaLnBrk="1" latinLnBrk="0" hangingPunct="1">
         <a:lnSpc>
           <a:spcPct val="90000"/>
         </a:lnSpc>
         <a:spcBef>
-          <a:spcPts val="2050"/>
+          <a:spcPts val="2100"/>
         </a:spcBef>
         <a:buFont typeface="Arial" panose="020B0604020202020204" pitchFamily="34" charset="0"/>
         <a:buChar char="•"/>
-        <a:defRPr sz="9840" kern="1200">
+        <a:defRPr sz="10080" kern="1200">
           <a:solidFill>
             <a:schemeClr val="tx1"/>
           </a:solidFill>
@@ -2730,16 +2730,16 @@
           <a:cs typeface="+mn-cs"/>
         </a:defRPr>
       </a:lvl2pPr>
-      <a:lvl3pPr marL="4686300" indent="-937260" algn="l" defTabSz="3749040" rtl="0" eaLnBrk="1" latinLnBrk="0" hangingPunct="1">
+      <a:lvl3pPr marL="4800600" indent="-960120" algn="l" defTabSz="3840480" rtl="0" eaLnBrk="1" latinLnBrk="0" hangingPunct="1">
         <a:lnSpc>
           <a:spcPct val="90000"/>
         </a:lnSpc>
         <a:spcBef>
-          <a:spcPts val="2050"/>
+          <a:spcPts val="2100"/>
         </a:spcBef>
         <a:buFont typeface="Arial" panose="020B0604020202020204" pitchFamily="34" charset="0"/>
         <a:buChar char="•"/>
-        <a:defRPr sz="8200" kern="1200">
+        <a:defRPr sz="8400" kern="1200">
           <a:solidFill>
             <a:schemeClr val="tx1"/>
           </a:solidFill>
@@ -2748,16 +2748,16 @@
           <a:cs typeface="+mn-cs"/>
         </a:defRPr>
       </a:lvl3pPr>
-      <a:lvl4pPr marL="6560820" indent="-937260" algn="l" defTabSz="3749040" rtl="0" eaLnBrk="1" latinLnBrk="0" hangingPunct="1">
+      <a:lvl4pPr marL="6720840" indent="-960120" algn="l" defTabSz="3840480" rtl="0" eaLnBrk="1" latinLnBrk="0" hangingPunct="1">
         <a:lnSpc>
           <a:spcPct val="90000"/>
         </a:lnSpc>
         <a:spcBef>
-          <a:spcPts val="2050"/>
+          <a:spcPts val="2100"/>
         </a:spcBef>
         <a:buFont typeface="Arial" panose="020B0604020202020204" pitchFamily="34" charset="0"/>
         <a:buChar char="•"/>
-        <a:defRPr sz="7380" kern="1200">
+        <a:defRPr sz="7560" kern="1200">
           <a:solidFill>
             <a:schemeClr val="tx1"/>
           </a:solidFill>
@@ -2766,16 +2766,16 @@
           <a:cs typeface="+mn-cs"/>
         </a:defRPr>
       </a:lvl4pPr>
-      <a:lvl5pPr marL="8435340" indent="-937260" algn="l" defTabSz="3749040" rtl="0" eaLnBrk="1" latinLnBrk="0" hangingPunct="1">
+      <a:lvl5pPr marL="8641080" indent="-960120" algn="l" defTabSz="3840480" rtl="0" eaLnBrk="1" latinLnBrk="0" hangingPunct="1">
         <a:lnSpc>
           <a:spcPct val="90000"/>
         </a:lnSpc>
         <a:spcBef>
-          <a:spcPts val="2050"/>
+          <a:spcPts val="2100"/>
         </a:spcBef>
         <a:buFont typeface="Arial" panose="020B0604020202020204" pitchFamily="34" charset="0"/>
         <a:buChar char="•"/>
-        <a:defRPr sz="7380" kern="1200">
+        <a:defRPr sz="7560" kern="1200">
           <a:solidFill>
             <a:schemeClr val="tx1"/>
           </a:solidFill>
@@ -2784,16 +2784,16 @@
           <a:cs typeface="+mn-cs"/>
         </a:defRPr>
       </a:lvl5pPr>
-      <a:lvl6pPr marL="10309860" indent="-937260" algn="l" defTabSz="3749040" rtl="0" eaLnBrk="1" latinLnBrk="0" hangingPunct="1">
+      <a:lvl6pPr marL="10561320" indent="-960120" algn="l" defTabSz="3840480" rtl="0" eaLnBrk="1" latinLnBrk="0" hangingPunct="1">
         <a:lnSpc>
           <a:spcPct val="90000"/>
         </a:lnSpc>
         <a:spcBef>
-          <a:spcPts val="2050"/>
+          <a:spcPts val="2100"/>
         </a:spcBef>
         <a:buFont typeface="Arial" panose="020B0604020202020204" pitchFamily="34" charset="0"/>
         <a:buChar char="•"/>
-        <a:defRPr sz="7380" kern="1200">
+        <a:defRPr sz="7560" kern="1200">
           <a:solidFill>
             <a:schemeClr val="tx1"/>
           </a:solidFill>
@@ -2802,16 +2802,16 @@
           <a:cs typeface="+mn-cs"/>
         </a:defRPr>
       </a:lvl6pPr>
-      <a:lvl7pPr marL="12184380" indent="-937260" algn="l" defTabSz="3749040" rtl="0" eaLnBrk="1" latinLnBrk="0" hangingPunct="1">
+      <a:lvl7pPr marL="12481560" indent="-960120" algn="l" defTabSz="3840480" rtl="0" eaLnBrk="1" latinLnBrk="0" hangingPunct="1">
         <a:lnSpc>
           <a:spcPct val="90000"/>
         </a:lnSpc>
         <a:spcBef>
-          <a:spcPts val="2050"/>
+          <a:spcPts val="2100"/>
         </a:spcBef>
         <a:buFont typeface="Arial" panose="020B0604020202020204" pitchFamily="34" charset="0"/>
         <a:buChar char="•"/>
-        <a:defRPr sz="7380" kern="1200">
+        <a:defRPr sz="7560" kern="1200">
           <a:solidFill>
             <a:schemeClr val="tx1"/>
           </a:solidFill>
@@ -2820,16 +2820,16 @@
           <a:cs typeface="+mn-cs"/>
         </a:defRPr>
       </a:lvl7pPr>
-      <a:lvl8pPr marL="14058900" indent="-937260" algn="l" defTabSz="3749040" rtl="0" eaLnBrk="1" latinLnBrk="0" hangingPunct="1">
+      <a:lvl8pPr marL="14401800" indent="-960120" algn="l" defTabSz="3840480" rtl="0" eaLnBrk="1" latinLnBrk="0" hangingPunct="1">
         <a:lnSpc>
           <a:spcPct val="90000"/>
         </a:lnSpc>
         <a:spcBef>
-          <a:spcPts val="2050"/>
+          <a:spcPts val="2100"/>
         </a:spcBef>
         <a:buFont typeface="Arial" panose="020B0604020202020204" pitchFamily="34" charset="0"/>
         <a:buChar char="•"/>
-        <a:defRPr sz="7380" kern="1200">
+        <a:defRPr sz="7560" kern="1200">
           <a:solidFill>
             <a:schemeClr val="tx1"/>
           </a:solidFill>
@@ -2838,16 +2838,16 @@
           <a:cs typeface="+mn-cs"/>
         </a:defRPr>
       </a:lvl8pPr>
-      <a:lvl9pPr marL="15933420" indent="-937260" algn="l" defTabSz="3749040" rtl="0" eaLnBrk="1" latinLnBrk="0" hangingPunct="1">
+      <a:lvl9pPr marL="16322040" indent="-960120" algn="l" defTabSz="3840480" rtl="0" eaLnBrk="1" latinLnBrk="0" hangingPunct="1">
         <a:lnSpc>
           <a:spcPct val="90000"/>
         </a:lnSpc>
         <a:spcBef>
-          <a:spcPts val="2050"/>
+          <a:spcPts val="2100"/>
         </a:spcBef>
         <a:buFont typeface="Arial" panose="020B0604020202020204" pitchFamily="34" charset="0"/>
         <a:buChar char="•"/>
-        <a:defRPr sz="7380" kern="1200">
+        <a:defRPr sz="7560" kern="1200">
           <a:solidFill>
             <a:schemeClr val="tx1"/>
           </a:solidFill>
@@ -2861,8 +2861,8 @@
       <a:defPPr>
         <a:defRPr lang="en-US"/>
       </a:defPPr>
-      <a:lvl1pPr marL="0" algn="l" defTabSz="3749040" rtl="0" eaLnBrk="1" latinLnBrk="0" hangingPunct="1">
-        <a:defRPr sz="7380" kern="1200">
+      <a:lvl1pPr marL="0" algn="l" defTabSz="3840480" rtl="0" eaLnBrk="1" latinLnBrk="0" hangingPunct="1">
+        <a:defRPr sz="7560" kern="1200">
           <a:solidFill>
             <a:schemeClr val="tx1"/>
           </a:solidFill>
@@ -2871,8 +2871,8 @@
           <a:cs typeface="+mn-cs"/>
         </a:defRPr>
       </a:lvl1pPr>
-      <a:lvl2pPr marL="1874520" algn="l" defTabSz="3749040" rtl="0" eaLnBrk="1" latinLnBrk="0" hangingPunct="1">
-        <a:defRPr sz="7380" kern="1200">
+      <a:lvl2pPr marL="1920240" algn="l" defTabSz="3840480" rtl="0" eaLnBrk="1" latinLnBrk="0" hangingPunct="1">
+        <a:defRPr sz="7560" kern="1200">
           <a:solidFill>
             <a:schemeClr val="tx1"/>
           </a:solidFill>
@@ -2881,8 +2881,8 @@
           <a:cs typeface="+mn-cs"/>
         </a:defRPr>
       </a:lvl2pPr>
-      <a:lvl3pPr marL="3749040" algn="l" defTabSz="3749040" rtl="0" eaLnBrk="1" latinLnBrk="0" hangingPunct="1">
-        <a:defRPr sz="7380" kern="1200">
+      <a:lvl3pPr marL="3840480" algn="l" defTabSz="3840480" rtl="0" eaLnBrk="1" latinLnBrk="0" hangingPunct="1">
+        <a:defRPr sz="7560" kern="1200">
           <a:solidFill>
             <a:schemeClr val="tx1"/>
           </a:solidFill>
@@ -2891,8 +2891,8 @@
           <a:cs typeface="+mn-cs"/>
         </a:defRPr>
       </a:lvl3pPr>
-      <a:lvl4pPr marL="5623560" algn="l" defTabSz="3749040" rtl="0" eaLnBrk="1" latinLnBrk="0" hangingPunct="1">
-        <a:defRPr sz="7380" kern="1200">
+      <a:lvl4pPr marL="5760720" algn="l" defTabSz="3840480" rtl="0" eaLnBrk="1" latinLnBrk="0" hangingPunct="1">
+        <a:defRPr sz="7560" kern="1200">
           <a:solidFill>
             <a:schemeClr val="tx1"/>
           </a:solidFill>
@@ -2901,8 +2901,8 @@
           <a:cs typeface="+mn-cs"/>
         </a:defRPr>
       </a:lvl4pPr>
-      <a:lvl5pPr marL="7498080" algn="l" defTabSz="3749040" rtl="0" eaLnBrk="1" latinLnBrk="0" hangingPunct="1">
-        <a:defRPr sz="7380" kern="1200">
+      <a:lvl5pPr marL="7680960" algn="l" defTabSz="3840480" rtl="0" eaLnBrk="1" latinLnBrk="0" hangingPunct="1">
+        <a:defRPr sz="7560" kern="1200">
           <a:solidFill>
             <a:schemeClr val="tx1"/>
           </a:solidFill>
@@ -2911,8 +2911,8 @@
           <a:cs typeface="+mn-cs"/>
         </a:defRPr>
       </a:lvl5pPr>
-      <a:lvl6pPr marL="9372600" algn="l" defTabSz="3749040" rtl="0" eaLnBrk="1" latinLnBrk="0" hangingPunct="1">
-        <a:defRPr sz="7380" kern="1200">
+      <a:lvl6pPr marL="9601200" algn="l" defTabSz="3840480" rtl="0" eaLnBrk="1" latinLnBrk="0" hangingPunct="1">
+        <a:defRPr sz="7560" kern="1200">
           <a:solidFill>
             <a:schemeClr val="tx1"/>
           </a:solidFill>
@@ -2921,8 +2921,8 @@
           <a:cs typeface="+mn-cs"/>
         </a:defRPr>
       </a:lvl6pPr>
-      <a:lvl7pPr marL="11247120" algn="l" defTabSz="3749040" rtl="0" eaLnBrk="1" latinLnBrk="0" hangingPunct="1">
-        <a:defRPr sz="7380" kern="1200">
+      <a:lvl7pPr marL="11521440" algn="l" defTabSz="3840480" rtl="0" eaLnBrk="1" latinLnBrk="0" hangingPunct="1">
+        <a:defRPr sz="7560" kern="1200">
           <a:solidFill>
             <a:schemeClr val="tx1"/>
           </a:solidFill>
@@ -2931,8 +2931,8 @@
           <a:cs typeface="+mn-cs"/>
         </a:defRPr>
       </a:lvl7pPr>
-      <a:lvl8pPr marL="13121640" algn="l" defTabSz="3749040" rtl="0" eaLnBrk="1" latinLnBrk="0" hangingPunct="1">
-        <a:defRPr sz="7380" kern="1200">
+      <a:lvl8pPr marL="13441680" algn="l" defTabSz="3840480" rtl="0" eaLnBrk="1" latinLnBrk="0" hangingPunct="1">
+        <a:defRPr sz="7560" kern="1200">
           <a:solidFill>
             <a:schemeClr val="tx1"/>
           </a:solidFill>
@@ -2941,8 +2941,8 @@
           <a:cs typeface="+mn-cs"/>
         </a:defRPr>
       </a:lvl8pPr>
-      <a:lvl9pPr marL="14996160" algn="l" defTabSz="3749040" rtl="0" eaLnBrk="1" latinLnBrk="0" hangingPunct="1">
-        <a:defRPr sz="7380" kern="1200">
+      <a:lvl9pPr marL="15361920" algn="l" defTabSz="3840480" rtl="0" eaLnBrk="1" latinLnBrk="0" hangingPunct="1">
+        <a:defRPr sz="7560" kern="1200">
           <a:solidFill>
             <a:schemeClr val="tx1"/>
           </a:solidFill>
@@ -3001,8 +3001,8 @@
         </p:nvSpPr>
         <p:spPr>
           <a:xfrm>
-            <a:off x="-297180" y="-381000"/>
-            <a:ext cx="10622280" cy="44577000"/>
+            <a:off x="0" y="-381000"/>
+            <a:ext cx="10782300" cy="44577000"/>
           </a:xfrm>
           <a:prstGeom prst="rect">
             <a:avLst/>
@@ -3050,7 +3050,7 @@
         </p:nvSpPr>
         <p:spPr>
           <a:xfrm>
-            <a:off x="11203304" y="2092496"/>
+            <a:off x="11660504" y="2092496"/>
             <a:ext cx="10622280" cy="4366388"/>
           </a:xfrm>
           <a:prstGeom prst="rect">
@@ -3115,7 +3115,7 @@
         </p:nvSpPr>
         <p:spPr>
           <a:xfrm>
-            <a:off x="23283932" y="3648062"/>
+            <a:off x="23741132" y="3648063"/>
             <a:ext cx="10622280" cy="7127079"/>
           </a:xfrm>
           <a:prstGeom prst="rect">
@@ -3233,7 +3233,7 @@
         </p:nvSpPr>
         <p:spPr>
           <a:xfrm>
-            <a:off x="11203304" y="16936600"/>
+            <a:off x="11660504" y="16936601"/>
             <a:ext cx="10622280" cy="5470665"/>
           </a:xfrm>
           <a:prstGeom prst="rect">
@@ -3353,7 +3353,7 @@
         </p:nvSpPr>
         <p:spPr>
           <a:xfrm>
-            <a:off x="11203304" y="8211971"/>
+            <a:off x="11660504" y="8211971"/>
             <a:ext cx="10622280" cy="7679218"/>
           </a:xfrm>
           <a:prstGeom prst="rect">
@@ -3485,7 +3485,7 @@
         </p:nvSpPr>
         <p:spPr>
           <a:xfrm>
-            <a:off x="23283932" y="13114334"/>
+            <a:off x="23741132" y="13114334"/>
             <a:ext cx="10622280" cy="4918526"/>
           </a:xfrm>
           <a:prstGeom prst="rect">
@@ -3585,7 +3585,7 @@
         </p:nvSpPr>
         <p:spPr>
           <a:xfrm>
-            <a:off x="-297180" y="1430775"/>
+            <a:off x="160020" y="1430776"/>
             <a:ext cx="7620000" cy="1323439"/>
           </a:xfrm>
           <a:prstGeom prst="rect">
@@ -3634,7 +3634,7 @@
         </p:nvSpPr>
         <p:spPr>
           <a:xfrm>
-            <a:off x="571498" y="3837868"/>
+            <a:off x="1028698" y="3837868"/>
             <a:ext cx="8568690" cy="304800"/>
           </a:xfrm>
           <a:prstGeom prst="flowChartAlternateProcess">
@@ -3688,7 +3688,7 @@
         </p:nvSpPr>
         <p:spPr>
           <a:xfrm>
-            <a:off x="1045843" y="4539830"/>
+            <a:off x="1503043" y="4539831"/>
             <a:ext cx="7620000" cy="2092881"/>
           </a:xfrm>
           <a:prstGeom prst="rect">
@@ -3728,7 +3728,7 @@
         </p:nvSpPr>
         <p:spPr>
           <a:xfrm>
-            <a:off x="465147" y="30106081"/>
+            <a:off x="922348" y="30106081"/>
             <a:ext cx="8781397" cy="1785104"/>
           </a:xfrm>
           <a:prstGeom prst="rect">
@@ -3779,7 +3779,7 @@
         </p:nvSpPr>
         <p:spPr>
           <a:xfrm>
-            <a:off x="808672" y="38814075"/>
+            <a:off x="1265873" y="38814075"/>
             <a:ext cx="8094345" cy="1785104"/>
           </a:xfrm>
           <a:prstGeom prst="rect">
@@ -3830,7 +3830,7 @@
         </p:nvSpPr>
         <p:spPr>
           <a:xfrm>
-            <a:off x="232574" y="41560401"/>
+            <a:off x="689774" y="41560401"/>
             <a:ext cx="9859952" cy="1785104"/>
           </a:xfrm>
           <a:prstGeom prst="rect">
@@ -3881,7 +3881,7 @@
         </p:nvSpPr>
         <p:spPr>
           <a:xfrm>
-            <a:off x="11438572" y="22768615"/>
+            <a:off x="11895772" y="22768616"/>
             <a:ext cx="24718328" cy="319985"/>
           </a:xfrm>
           <a:prstGeom prst="flowChartAlternateProcess">
@@ -3935,7 +3935,7 @@
         </p:nvSpPr>
         <p:spPr>
           <a:xfrm>
-            <a:off x="18635186" y="23531642"/>
+            <a:off x="19092386" y="23531643"/>
             <a:ext cx="10325100" cy="1169551"/>
           </a:xfrm>
           <a:prstGeom prst="rect">
@@ -3975,7 +3975,7 @@
         </p:nvSpPr>
         <p:spPr>
           <a:xfrm>
-            <a:off x="11675362" y="40281279"/>
+            <a:off x="12132563" y="40281280"/>
             <a:ext cx="8194705" cy="1169551"/>
           </a:xfrm>
           <a:prstGeom prst="rect">
@@ -4015,7 +4015,7 @@
         </p:nvSpPr>
         <p:spPr>
           <a:xfrm>
-            <a:off x="19700868" y="40390850"/>
+            <a:off x="20158068" y="40390851"/>
             <a:ext cx="8193734" cy="1169551"/>
           </a:xfrm>
           <a:prstGeom prst="rect">
@@ -4069,7 +4069,7 @@
         </p:blipFill>
         <p:spPr>
           <a:xfrm>
-            <a:off x="1375442" y="6993685"/>
+            <a:off x="1832642" y="6993686"/>
             <a:ext cx="6960802" cy="15619509"/>
           </a:xfrm>
           <a:prstGeom prst="rect">
@@ -4091,7 +4091,7 @@
         </p:nvSpPr>
         <p:spPr>
           <a:xfrm>
-            <a:off x="27725889" y="40390850"/>
+            <a:off x="28183089" y="40390851"/>
             <a:ext cx="8193734" cy="1169551"/>
           </a:xfrm>
           <a:prstGeom prst="rect">
@@ -4145,7 +4145,7 @@
         </p:blipFill>
         <p:spPr>
           <a:xfrm>
-            <a:off x="1972521" y="32319799"/>
+            <a:off x="2429721" y="32319799"/>
             <a:ext cx="5990208" cy="6494276"/>
           </a:xfrm>
           <a:prstGeom prst="rect">
@@ -4181,7 +4181,7 @@
         </p:blipFill>
         <p:spPr>
           <a:xfrm>
-            <a:off x="1558143" y="23346936"/>
+            <a:off x="2015344" y="23346937"/>
             <a:ext cx="6595401" cy="6595401"/>
           </a:xfrm>
           <a:prstGeom prst="rect">
@@ -4217,7 +4217,7 @@
         </p:blipFill>
         <p:spPr>
           <a:xfrm>
-            <a:off x="20570051" y="25284671"/>
+            <a:off x="21027251" y="25284672"/>
             <a:ext cx="6455368" cy="14485353"/>
           </a:xfrm>
           <a:prstGeom prst="rect">
@@ -4253,7 +4253,7 @@
         </p:blipFill>
         <p:spPr>
           <a:xfrm>
-            <a:off x="12545029" y="25296091"/>
+            <a:off x="13002230" y="25296091"/>
             <a:ext cx="6455369" cy="14485354"/>
           </a:xfrm>
           <a:prstGeom prst="rect">
@@ -4289,7 +4289,7 @@
         </p:blipFill>
         <p:spPr>
           <a:xfrm>
-            <a:off x="28595072" y="25248559"/>
+            <a:off x="29052272" y="25248559"/>
             <a:ext cx="6455368" cy="14485354"/>
           </a:xfrm>
           <a:prstGeom prst="rect">
@@ -4325,7 +4325,7 @@
         </p:blipFill>
         <p:spPr>
           <a:xfrm>
-            <a:off x="26811065" y="19533704"/>
+            <a:off x="27268266" y="19533705"/>
             <a:ext cx="3568013" cy="1588881"/>
           </a:xfrm>
           <a:prstGeom prst="rect">
@@ -4361,7 +4361,7 @@
         </p:blipFill>
         <p:spPr>
           <a:xfrm>
-            <a:off x="23283932" y="18997613"/>
+            <a:off x="23741132" y="18997613"/>
             <a:ext cx="2477478" cy="2477478"/>
           </a:xfrm>
           <a:prstGeom prst="rect">
@@ -4397,7 +4397,7 @@
         </p:blipFill>
         <p:spPr>
           <a:xfrm>
-            <a:off x="31428733" y="19110279"/>
+            <a:off x="31885933" y="19110279"/>
             <a:ext cx="2564576" cy="2564576"/>
           </a:xfrm>
           <a:prstGeom prst="rect">
@@ -4433,7 +4433,7 @@
         </p:blipFill>
         <p:spPr>
           <a:xfrm>
-            <a:off x="6957425" y="621780"/>
+            <a:off x="7414626" y="621781"/>
             <a:ext cx="2941431" cy="2941431"/>
           </a:xfrm>
           <a:prstGeom prst="rect">
